--- a/_site/2014_07_23/ExcelWarnings.pptx
+++ b/_site/2014_07_23/ExcelWarnings.pptx
@@ -201,7 +201,7 @@
           <a:p>
             <a:fld id="{5EA87592-5D9E-DE4F-8106-C3F97ACF2B82}" type="datetimeFigureOut">
               <a:rPr lang="en-US" smtClean="0"/>
-              <a:t>7/18/14</a:t>
+              <a:t>7/22/14</a:t>
             </a:fld>
             <a:endParaRPr lang="en-US"/>
           </a:p>
@@ -664,7 +664,7 @@
           <a:p>
             <a:fld id="{7CE38E4D-051A-41E1-86A4-E56916468FD0}" type="datetimeFigureOut">
               <a:rPr lang="en-US" smtClean="0"/>
-              <a:t>7/18/14</a:t>
+              <a:t>7/22/14</a:t>
             </a:fld>
             <a:endParaRPr lang="en-US"/>
           </a:p>
@@ -874,7 +874,7 @@
           <a:p>
             <a:fld id="{7CE38E4D-051A-41E1-86A4-E56916468FD0}" type="datetimeFigureOut">
               <a:rPr lang="en-US" smtClean="0"/>
-              <a:t>7/18/14</a:t>
+              <a:t>7/22/14</a:t>
             </a:fld>
             <a:endParaRPr lang="en-US"/>
           </a:p>
@@ -1084,7 +1084,7 @@
           <a:p>
             <a:fld id="{7CE38E4D-051A-41E1-86A4-E56916468FD0}" type="datetimeFigureOut">
               <a:rPr lang="en-US" smtClean="0"/>
-              <a:t>7/18/14</a:t>
+              <a:t>7/22/14</a:t>
             </a:fld>
             <a:endParaRPr lang="en-US"/>
           </a:p>
@@ -1294,7 +1294,7 @@
           <a:p>
             <a:fld id="{7CE38E4D-051A-41E1-86A4-E56916468FD0}" type="datetimeFigureOut">
               <a:rPr lang="en-US" smtClean="0"/>
-              <a:t>7/18/14</a:t>
+              <a:t>7/22/14</a:t>
             </a:fld>
             <a:endParaRPr lang="en-US"/>
           </a:p>
@@ -1570,7 +1570,7 @@
           <a:p>
             <a:fld id="{7CE38E4D-051A-41E1-86A4-E56916468FD0}" type="datetimeFigureOut">
               <a:rPr lang="en-US" smtClean="0"/>
-              <a:t>7/18/14</a:t>
+              <a:t>7/22/14</a:t>
             </a:fld>
             <a:endParaRPr lang="en-US"/>
           </a:p>
@@ -1896,7 +1896,7 @@
           <a:p>
             <a:fld id="{7CE38E4D-051A-41E1-86A4-E56916468FD0}" type="datetimeFigureOut">
               <a:rPr lang="en-US" smtClean="0"/>
-              <a:t>7/18/14</a:t>
+              <a:t>7/22/14</a:t>
             </a:fld>
             <a:endParaRPr lang="en-US"/>
           </a:p>
@@ -2362,7 +2362,7 @@
           <a:p>
             <a:fld id="{7CE38E4D-051A-41E1-86A4-E56916468FD0}" type="datetimeFigureOut">
               <a:rPr lang="en-US" smtClean="0"/>
-              <a:t>7/18/14</a:t>
+              <a:t>7/22/14</a:t>
             </a:fld>
             <a:endParaRPr lang="en-US"/>
           </a:p>
@@ -2512,7 +2512,7 @@
           <a:p>
             <a:fld id="{7CE38E4D-051A-41E1-86A4-E56916468FD0}" type="datetimeFigureOut">
               <a:rPr lang="en-US" smtClean="0"/>
-              <a:t>7/18/14</a:t>
+              <a:t>7/22/14</a:t>
             </a:fld>
             <a:endParaRPr lang="en-US"/>
           </a:p>
@@ -2631,7 +2631,7 @@
           <a:p>
             <a:fld id="{7CE38E4D-051A-41E1-86A4-E56916468FD0}" type="datetimeFigureOut">
               <a:rPr lang="en-US" smtClean="0"/>
-              <a:t>7/18/14</a:t>
+              <a:t>7/22/14</a:t>
             </a:fld>
             <a:endParaRPr lang="en-US"/>
           </a:p>
@@ -2941,7 +2941,7 @@
           <a:p>
             <a:fld id="{7CE38E4D-051A-41E1-86A4-E56916468FD0}" type="datetimeFigureOut">
               <a:rPr lang="en-US" smtClean="0"/>
-              <a:t>7/18/14</a:t>
+              <a:t>7/22/14</a:t>
             </a:fld>
             <a:endParaRPr lang="en-US"/>
           </a:p>
@@ -3231,7 +3231,7 @@
           <a:p>
             <a:fld id="{7CE38E4D-051A-41E1-86A4-E56916468FD0}" type="datetimeFigureOut">
               <a:rPr lang="en-US" smtClean="0"/>
-              <a:t>7/18/14</a:t>
+              <a:t>7/22/14</a:t>
             </a:fld>
             <a:endParaRPr lang="en-US"/>
           </a:p>
@@ -3758,11 +3758,7 @@
           <a:p>
             <a:r>
               <a:rPr lang="en-US" dirty="0" smtClean="0"/>
-              <a:t>Short Course in Medical Genetics </a:t>
-            </a:r>
-            <a:r>
-              <a:rPr lang="en-US" dirty="0" smtClean="0"/>
-              <a:t>2014</a:t>
+              <a:t>Short Course in Medical Genetics 2014</a:t>
             </a:r>
             <a:endParaRPr lang="en-US" dirty="0"/>
           </a:p>
@@ -4334,6 +4330,13 @@
   <p:clrMapOvr>
     <a:masterClrMapping/>
   </p:clrMapOvr>
+  <p:timing>
+    <p:tnLst>
+      <p:par>
+        <p:cTn xmlns:p14="http://schemas.microsoft.com/office/powerpoint/2010/main" id="1" dur="indefinite" restart="never" nodeType="tmRoot"/>
+      </p:par>
+    </p:tnLst>
+  </p:timing>
 </p:sld>
 </file>
 
@@ -5063,8 +5066,8 @@
         </p:nvSpPr>
         <p:spPr>
           <a:xfrm>
-            <a:off x="4815" y="6488668"/>
-            <a:ext cx="8520281" cy="369332"/>
+            <a:off x="4815" y="5962733"/>
+            <a:ext cx="6975437" cy="830997"/>
           </a:xfrm>
           <a:prstGeom prst="rect">
             <a:avLst/>
@@ -5078,7 +5081,7 @@
           <a:lstStyle/>
           <a:p>
             <a:r>
-              <a:rPr lang="en-US" dirty="0" smtClean="0">
+              <a:rPr lang="en-US" sz="2400" dirty="0" smtClean="0">
                 <a:solidFill>
                   <a:schemeClr val="tx1">
                     <a:lumMod val="65000"/>
@@ -5086,9 +5089,52 @@
                   </a:schemeClr>
                 </a:solidFill>
               </a:rPr>
-              <a:t>Note: The official HGNC name for this gene is POU5F1, but Oct4 is a commonly used alias </a:t>
-            </a:r>
-            <a:endParaRPr lang="en-US" dirty="0">
+              <a:t>Note: The official HGNC name for this gene is POU5F1, </a:t>
+            </a:r>
+            <a:r>
+              <a:rPr lang="en-US" sz="2400" dirty="0" smtClean="0">
+                <a:solidFill>
+                  <a:schemeClr val="tx1">
+                    <a:lumMod val="65000"/>
+                    <a:lumOff val="35000"/>
+                  </a:schemeClr>
+                </a:solidFill>
+              </a:rPr>
+              <a:t/>
+            </a:r>
+            <a:br>
+              <a:rPr lang="en-US" sz="2400" dirty="0" smtClean="0">
+                <a:solidFill>
+                  <a:schemeClr val="tx1">
+                    <a:lumMod val="65000"/>
+                    <a:lumOff val="35000"/>
+                  </a:schemeClr>
+                </a:solidFill>
+              </a:rPr>
+            </a:br>
+            <a:r>
+              <a:rPr lang="en-US" sz="2400" dirty="0" smtClean="0">
+                <a:solidFill>
+                  <a:schemeClr val="tx1">
+                    <a:lumMod val="65000"/>
+                    <a:lumOff val="35000"/>
+                  </a:schemeClr>
+                </a:solidFill>
+              </a:rPr>
+              <a:t>but </a:t>
+            </a:r>
+            <a:r>
+              <a:rPr lang="en-US" sz="2400" dirty="0" smtClean="0">
+                <a:solidFill>
+                  <a:schemeClr val="tx1">
+                    <a:lumMod val="65000"/>
+                    <a:lumOff val="35000"/>
+                  </a:schemeClr>
+                </a:solidFill>
+              </a:rPr>
+              <a:t>Oct4 is a commonly used alias </a:t>
+            </a:r>
+            <a:endParaRPr lang="en-US" sz="2400" dirty="0">
               <a:solidFill>
                 <a:schemeClr val="tx1">
                   <a:lumMod val="65000"/>
@@ -5109,6 +5155,13 @@
   <p:clrMapOvr>
     <a:masterClrMapping/>
   </p:clrMapOvr>
+  <p:timing>
+    <p:tnLst>
+      <p:par>
+        <p:cTn xmlns:p14="http://schemas.microsoft.com/office/powerpoint/2010/main" id="1" dur="indefinite" restart="never" nodeType="tmRoot"/>
+      </p:par>
+    </p:tnLst>
+  </p:timing>
 </p:sld>
 </file>
 
@@ -5242,6 +5295,13 @@
   <p:clrMapOvr>
     <a:masterClrMapping/>
   </p:clrMapOvr>
+  <p:timing>
+    <p:tnLst>
+      <p:par>
+        <p:cTn xmlns:p14="http://schemas.microsoft.com/office/powerpoint/2010/main" id="1" dur="indefinite" restart="never" nodeType="tmRoot"/>
+      </p:par>
+    </p:tnLst>
+  </p:timing>
 </p:sld>
 </file>
 
@@ -5382,6 +5442,13 @@
   <p:clrMapOvr>
     <a:masterClrMapping/>
   </p:clrMapOvr>
+  <p:timing>
+    <p:tnLst>
+      <p:par>
+        <p:cTn xmlns:p14="http://schemas.microsoft.com/office/powerpoint/2010/main" id="1" dur="indefinite" restart="never" nodeType="tmRoot"/>
+      </p:par>
+    </p:tnLst>
+  </p:timing>
 </p:sld>
 </file>
 
@@ -5542,6 +5609,13 @@
   <p:clrMapOvr>
     <a:masterClrMapping/>
   </p:clrMapOvr>
+  <p:timing>
+    <p:tnLst>
+      <p:par>
+        <p:cTn xmlns:p14="http://schemas.microsoft.com/office/powerpoint/2010/main" id="1" dur="indefinite" restart="never" nodeType="tmRoot"/>
+      </p:par>
+    </p:tnLst>
+  </p:timing>
 </p:sld>
 </file>
 
